--- a/ImgloaderHELP.pptx
+++ b/ImgloaderHELP.pptx
@@ -5,8 +5,8 @@
     <p:sldMasterId id="2147483648" r:id="rId1"/>
   </p:sldMasterIdLst>
   <p:sldIdLst>
-    <p:sldId id="256" r:id="rId2"/>
-    <p:sldId id="271" r:id="rId3"/>
+    <p:sldId id="271" r:id="rId2"/>
+    <p:sldId id="256" r:id="rId3"/>
     <p:sldId id="262" r:id="rId4"/>
     <p:sldId id="264" r:id="rId5"/>
     <p:sldId id="263" r:id="rId6"/>
@@ -2979,585 +2979,164 @@
       </p:grpSpPr>
       <p:sp>
         <p:nvSpPr>
-          <p:cNvPr id="36" name="Diamond 35"/>
-          <p:cNvSpPr/>
-          <p:nvPr/>
-        </p:nvSpPr>
-        <p:spPr>
-          <a:xfrm>
-            <a:off x="225479" y="4212781"/>
-            <a:ext cx="1817077" cy="1395046"/>
-          </a:xfrm>
-          <a:prstGeom prst="diamond">
-            <a:avLst/>
-          </a:prstGeom>
-        </p:spPr>
-        <p:style>
-          <a:lnRef idx="2">
-            <a:schemeClr val="dk1"/>
-          </a:lnRef>
-          <a:fillRef idx="1">
-            <a:schemeClr val="lt1"/>
-          </a:fillRef>
-          <a:effectRef idx="0">
-            <a:schemeClr val="dk1"/>
-          </a:effectRef>
-          <a:fontRef idx="minor">
-            <a:schemeClr val="dk1"/>
-          </a:fontRef>
-        </p:style>
-        <p:txBody>
-          <a:bodyPr rtlCol="0" anchor="ctr"/>
-          <a:lstStyle/>
-          <a:p>
-            <a:pPr algn="ctr"/>
+          <p:cNvPr id="2" name="Title 1"/>
+          <p:cNvSpPr>
+            <a:spLocks noGrp="1"/>
+          </p:cNvSpPr>
+          <p:nvPr>
+            <p:ph type="title"/>
+          </p:nvPr>
+        </p:nvSpPr>
+        <p:spPr/>
+        <p:txBody>
+          <a:bodyPr/>
+          <a:lstStyle/>
+          <a:p>
+            <a:r>
+              <a:rPr lang="en-US" dirty="0" err="1" smtClean="0"/>
+              <a:t>Imgloader_build</a:t>
+            </a:r>
+            <a:r>
+              <a:rPr lang="en-US" dirty="0" smtClean="0"/>
+              <a:t/>
+            </a:r>
+            <a:br>
+              <a:rPr lang="en-US" dirty="0" smtClean="0"/>
+            </a:br>
+            <a:r>
+              <a:rPr lang="en-US" sz="2400" dirty="0" smtClean="0"/>
+              <a:t>Jozsef Meszaros &amp; Daniela </a:t>
+            </a:r>
+            <a:r>
+              <a:rPr lang="en-US" sz="2400" dirty="0" err="1" smtClean="0"/>
+              <a:t>Periera</a:t>
+            </a:r>
+            <a:endParaRPr lang="en-US" sz="2400" dirty="0"/>
+          </a:p>
+        </p:txBody>
+      </p:sp>
+      <p:sp>
+        <p:nvSpPr>
+          <p:cNvPr id="3" name="Content Placeholder 2"/>
+          <p:cNvSpPr>
+            <a:spLocks noGrp="1"/>
+          </p:cNvSpPr>
+          <p:nvPr>
+            <p:ph idx="1"/>
+          </p:nvPr>
+        </p:nvSpPr>
+        <p:spPr/>
+        <p:txBody>
+          <a:bodyPr/>
+          <a:lstStyle/>
+          <a:p>
+            <a:pPr marL="0" indent="0">
+              <a:buNone/>
+            </a:pPr>
+            <a:r>
+              <a:rPr lang="en-US" dirty="0" smtClean="0"/>
+              <a:t>This is a help file in </a:t>
+            </a:r>
+            <a:r>
+              <a:rPr lang="en-US" dirty="0" err="1" smtClean="0"/>
+              <a:t>Powerpoint</a:t>
+            </a:r>
+            <a:r>
+              <a:rPr lang="en-US" dirty="0" smtClean="0"/>
+              <a:t> format to lead you through all of the usage and data structures created by the GUI</a:t>
+            </a:r>
+          </a:p>
+          <a:p>
+            <a:pPr marL="0" indent="0">
+              <a:buNone/>
+            </a:pPr>
+            <a:endParaRPr lang="en-US" dirty="0" smtClean="0"/>
+          </a:p>
+          <a:p>
+            <a:pPr marL="0" indent="0">
+              <a:buNone/>
+            </a:pPr>
+            <a:r>
+              <a:rPr lang="en-US" dirty="0" smtClean="0"/>
+              <a:t>Basic proficiency in </a:t>
+            </a:r>
+            <a:r>
+              <a:rPr lang="en-US" dirty="0" err="1" smtClean="0"/>
+              <a:t>Matlab</a:t>
+            </a:r>
+            <a:r>
+              <a:rPr lang="en-US" dirty="0" smtClean="0"/>
+              <a:t> is essential for properly understanding the code and this </a:t>
+            </a:r>
+            <a:r>
+              <a:rPr lang="en-US" dirty="0" err="1" smtClean="0"/>
+              <a:t>Powerpoint</a:t>
+            </a:r>
+            <a:endParaRPr lang="en-US" dirty="0"/>
+          </a:p>
+          <a:p>
+            <a:pPr marL="0" indent="0">
+              <a:buNone/>
+            </a:pPr>
+            <a:endParaRPr lang="en-US" dirty="0" smtClean="0"/>
+          </a:p>
+          <a:p>
+            <a:pPr marL="0" indent="0">
+              <a:buNone/>
+            </a:pPr>
             <a:r>
               <a:rPr lang="en-US" sz="1400" dirty="0" smtClean="0"/>
-              <a:t>Image sequence</a:t>
-            </a:r>
-            <a:endParaRPr lang="en-US" sz="1400" i="1" dirty="0">
-              <a:solidFill>
-                <a:srgbClr val="FF0000"/>
-              </a:solidFill>
-            </a:endParaRPr>
-          </a:p>
-        </p:txBody>
-      </p:sp>
-      <p:sp>
-        <p:nvSpPr>
-          <p:cNvPr id="40" name="Rectangle 39"/>
-          <p:cNvSpPr/>
-          <p:nvPr/>
-        </p:nvSpPr>
-        <p:spPr>
-          <a:xfrm>
-            <a:off x="0" y="5734878"/>
-            <a:ext cx="12192000" cy="626165"/>
-          </a:xfrm>
-          <a:prstGeom prst="rect">
-            <a:avLst/>
-          </a:prstGeom>
-        </p:spPr>
-        <p:style>
-          <a:lnRef idx="2">
-            <a:schemeClr val="accent1">
-              <a:shade val="50000"/>
-            </a:schemeClr>
-          </a:lnRef>
-          <a:fillRef idx="1">
-            <a:schemeClr val="accent1"/>
-          </a:fillRef>
-          <a:effectRef idx="0">
-            <a:schemeClr val="accent1"/>
-          </a:effectRef>
-          <a:fontRef idx="minor">
-            <a:schemeClr val="lt1"/>
-          </a:fontRef>
-        </p:style>
-        <p:txBody>
-          <a:bodyPr rtlCol="0" anchor="ctr"/>
-          <a:lstStyle/>
-          <a:p>
-            <a:pPr algn="ctr"/>
-            <a:r>
-              <a:rPr lang="en-US" dirty="0" smtClean="0"/>
-              <a:t>Image preprocessing</a:t>
-            </a:r>
+              <a:t>Credits: To </a:t>
+            </a:r>
+            <a:r>
+              <a:rPr lang="en-US" sz="1400" dirty="0"/>
+              <a:t>Manuel </a:t>
+            </a:r>
+            <a:r>
+              <a:rPr lang="en-US" sz="1400" dirty="0" err="1" smtClean="0"/>
+              <a:t>Guizar</a:t>
+            </a:r>
+            <a:r>
+              <a:rPr lang="en-US" sz="1400" dirty="0" smtClean="0"/>
+              <a:t> for developing DFT registration and </a:t>
+            </a:r>
+            <a:r>
+              <a:rPr lang="en-US" sz="1400" dirty="0"/>
+              <a:t>Jonathan </a:t>
+            </a:r>
+            <a:r>
+              <a:rPr lang="en-US" sz="1400" dirty="0" err="1" smtClean="0"/>
+              <a:t>Lansey</a:t>
+            </a:r>
+            <a:r>
+              <a:rPr lang="en-US" sz="1400" dirty="0"/>
+              <a:t> </a:t>
+            </a:r>
+            <a:r>
+              <a:rPr lang="en-US" sz="1400" dirty="0" smtClean="0"/>
+              <a:t>for </a:t>
+            </a:r>
+            <a:r>
+              <a:rPr lang="en-US" sz="1400" dirty="0" err="1" smtClean="0"/>
+              <a:t>logfit</a:t>
+            </a:r>
+            <a:r>
+              <a:rPr lang="en-US" sz="1400" dirty="0" smtClean="0"/>
+              <a:t>.</a:t>
+            </a:r>
+          </a:p>
+          <a:p>
+            <a:pPr marL="0" indent="0">
+              <a:buNone/>
+            </a:pPr>
             <a:endParaRPr lang="en-US" dirty="0"/>
-          </a:p>
-        </p:txBody>
-      </p:sp>
-      <p:sp>
-        <p:nvSpPr>
-          <p:cNvPr id="42" name="Oval 41"/>
-          <p:cNvSpPr/>
-          <p:nvPr/>
-        </p:nvSpPr>
-        <p:spPr>
-          <a:xfrm>
-            <a:off x="124369" y="146154"/>
-            <a:ext cx="2019300" cy="2019300"/>
-          </a:xfrm>
-          <a:prstGeom prst="ellipse">
-            <a:avLst/>
-          </a:prstGeom>
-        </p:spPr>
-        <p:style>
-          <a:lnRef idx="2">
-            <a:schemeClr val="dk1"/>
-          </a:lnRef>
-          <a:fillRef idx="1">
-            <a:schemeClr val="lt1"/>
-          </a:fillRef>
-          <a:effectRef idx="0">
-            <a:schemeClr val="dk1"/>
-          </a:effectRef>
-          <a:fontRef idx="minor">
-            <a:schemeClr val="dk1"/>
-          </a:fontRef>
-        </p:style>
-        <p:txBody>
-          <a:bodyPr rtlCol="0" anchor="ctr"/>
-          <a:lstStyle/>
-          <a:p>
-            <a:pPr algn="ctr"/>
-            <a:r>
-              <a:rPr lang="en-US" dirty="0"/>
-              <a:t>User selects image from an image sequence on drive</a:t>
-            </a:r>
-          </a:p>
-          <a:p>
-            <a:pPr algn="ctr"/>
-            <a:endParaRPr lang="en-US" dirty="0"/>
-          </a:p>
-        </p:txBody>
-      </p:sp>
-      <p:cxnSp>
-        <p:nvCxnSpPr>
-          <p:cNvPr id="46" name="Straight Arrow Connector 45"/>
-          <p:cNvCxnSpPr>
-            <a:stCxn id="42" idx="4"/>
-          </p:cNvCxnSpPr>
-          <p:nvPr/>
-        </p:nvCxnSpPr>
-        <p:spPr>
-          <a:xfrm>
-            <a:off x="1134019" y="2165454"/>
-            <a:ext cx="0" cy="565891"/>
-          </a:xfrm>
-          <a:prstGeom prst="straightConnector1">
-            <a:avLst/>
-          </a:prstGeom>
-          <a:ln>
-            <a:tailEnd type="triangle"/>
-          </a:ln>
-        </p:spPr>
-        <p:style>
-          <a:lnRef idx="3">
-            <a:schemeClr val="dk1"/>
-          </a:lnRef>
-          <a:fillRef idx="0">
-            <a:schemeClr val="dk1"/>
-          </a:fillRef>
-          <a:effectRef idx="2">
-            <a:schemeClr val="dk1"/>
-          </a:effectRef>
-          <a:fontRef idx="minor">
-            <a:schemeClr val="tx1"/>
-          </a:fontRef>
-        </p:style>
-      </p:cxnSp>
-      <p:sp>
-        <p:nvSpPr>
-          <p:cNvPr id="55" name="TextBox 54"/>
-          <p:cNvSpPr txBox="1"/>
-          <p:nvPr/>
-        </p:nvSpPr>
-        <p:spPr>
-          <a:xfrm>
-            <a:off x="1149768" y="2467722"/>
-            <a:ext cx="1224444" cy="307777"/>
-          </a:xfrm>
-          <a:prstGeom prst="rect">
-            <a:avLst/>
-          </a:prstGeom>
-          <a:noFill/>
-        </p:spPr>
-        <p:txBody>
-          <a:bodyPr wrap="square" rtlCol="0">
-            <a:spAutoFit/>
-          </a:bodyPr>
-          <a:lstStyle/>
-          <a:p>
-            <a:r>
-              <a:rPr lang="en-US" sz="1400" i="1" dirty="0" err="1" smtClean="0">
-                <a:solidFill>
-                  <a:schemeClr val="accent2">
-                    <a:lumMod val="75000"/>
-                  </a:schemeClr>
-                </a:solidFill>
-              </a:rPr>
-              <a:t>GUIloadimgs</a:t>
-            </a:r>
-            <a:endParaRPr lang="en-US" sz="1400" dirty="0">
-              <a:solidFill>
-                <a:schemeClr val="accent2">
-                  <a:lumMod val="75000"/>
-                </a:schemeClr>
-              </a:solidFill>
-            </a:endParaRPr>
-          </a:p>
-        </p:txBody>
-      </p:sp>
-      <p:sp>
-        <p:nvSpPr>
-          <p:cNvPr id="58" name="Rectangle 57"/>
-          <p:cNvSpPr/>
-          <p:nvPr/>
-        </p:nvSpPr>
-        <p:spPr>
-          <a:xfrm>
-            <a:off x="55495" y="2735743"/>
-            <a:ext cx="2157047" cy="844062"/>
-          </a:xfrm>
-          <a:prstGeom prst="rect">
-            <a:avLst/>
-          </a:prstGeom>
-          <a:noFill/>
-          <a:ln>
-            <a:solidFill>
-              <a:schemeClr val="accent2"/>
-            </a:solidFill>
-          </a:ln>
-        </p:spPr>
-        <p:style>
-          <a:lnRef idx="2">
-            <a:schemeClr val="dk1"/>
-          </a:lnRef>
-          <a:fillRef idx="1">
-            <a:schemeClr val="lt1"/>
-          </a:fillRef>
-          <a:effectRef idx="0">
-            <a:schemeClr val="dk1"/>
-          </a:effectRef>
-          <a:fontRef idx="minor">
-            <a:schemeClr val="dk1"/>
-          </a:fontRef>
-        </p:style>
-        <p:txBody>
-          <a:bodyPr rtlCol="0" anchor="ctr"/>
-          <a:lstStyle/>
-          <a:p>
-            <a:pPr algn="ctr"/>
-            <a:r>
-              <a:rPr lang="en-US" sz="1400" dirty="0" smtClean="0">
-                <a:solidFill>
-                  <a:schemeClr val="accent2">
-                    <a:lumMod val="75000"/>
-                  </a:schemeClr>
-                </a:solidFill>
-              </a:rPr>
-              <a:t>Loads </a:t>
-            </a:r>
-            <a:r>
-              <a:rPr lang="en-US" sz="1400" dirty="0" smtClean="0">
-                <a:solidFill>
-                  <a:schemeClr val="accent2">
-                    <a:lumMod val="75000"/>
-                  </a:schemeClr>
-                </a:solidFill>
-              </a:rPr>
-              <a:t>every image and </a:t>
-            </a:r>
-            <a:r>
-              <a:rPr lang="en-US" sz="1400" dirty="0" smtClean="0">
-                <a:solidFill>
-                  <a:schemeClr val="accent2">
-                    <a:lumMod val="75000"/>
-                  </a:schemeClr>
-                </a:solidFill>
-              </a:rPr>
-              <a:t>scales </a:t>
-            </a:r>
-            <a:r>
-              <a:rPr lang="en-US" sz="1400" dirty="0" smtClean="0">
-                <a:solidFill>
-                  <a:schemeClr val="accent2">
-                    <a:lumMod val="75000"/>
-                  </a:schemeClr>
-                </a:solidFill>
-              </a:rPr>
-              <a:t>intensity (</a:t>
-            </a:r>
-            <a:r>
-              <a:rPr lang="en-US" sz="1400" dirty="0" smtClean="0">
-                <a:solidFill>
-                  <a:schemeClr val="accent2">
-                    <a:lumMod val="75000"/>
-                  </a:schemeClr>
-                </a:solidFill>
-              </a:rPr>
-              <a:t>0</a:t>
-            </a:r>
-            <a:r>
-              <a:rPr lang="en-US" sz="1400" dirty="0">
-                <a:solidFill>
-                  <a:schemeClr val="accent2">
-                    <a:lumMod val="75000"/>
-                  </a:schemeClr>
-                </a:solidFill>
-                <a:sym typeface="Symbol"/>
-              </a:rPr>
-              <a:t>  </a:t>
-            </a:r>
-            <a:r>
-              <a:rPr lang="en-US" sz="1400" dirty="0" smtClean="0">
-                <a:solidFill>
-                  <a:schemeClr val="accent2">
-                    <a:lumMod val="75000"/>
-                  </a:schemeClr>
-                </a:solidFill>
-              </a:rPr>
-              <a:t>0</a:t>
-            </a:r>
-            <a:r>
-              <a:rPr lang="en-US" sz="1400" dirty="0" smtClean="0">
-                <a:solidFill>
-                  <a:schemeClr val="accent2">
-                    <a:lumMod val="75000"/>
-                  </a:schemeClr>
-                </a:solidFill>
-              </a:rPr>
-              <a:t>; </a:t>
-            </a:r>
-            <a:r>
-              <a:rPr lang="en-US" sz="1400" dirty="0" smtClean="0">
-                <a:solidFill>
-                  <a:schemeClr val="accent2">
-                    <a:lumMod val="75000"/>
-                  </a:schemeClr>
-                </a:solidFill>
-              </a:rPr>
-              <a:t>2^bitdepth</a:t>
-            </a:r>
-            <a:r>
-              <a:rPr lang="en-US" sz="1400" dirty="0" smtClean="0">
-                <a:solidFill>
-                  <a:schemeClr val="accent2">
-                    <a:lumMod val="75000"/>
-                  </a:schemeClr>
-                </a:solidFill>
-                <a:sym typeface="Symbol"/>
-              </a:rPr>
-              <a:t></a:t>
-            </a:r>
-            <a:r>
-              <a:rPr lang="en-US" sz="1400" dirty="0" smtClean="0">
-                <a:solidFill>
-                  <a:schemeClr val="accent2">
-                    <a:lumMod val="75000"/>
-                  </a:schemeClr>
-                </a:solidFill>
-              </a:rPr>
-              <a:t>1</a:t>
-            </a:r>
-            <a:r>
-              <a:rPr lang="en-US" sz="1400" dirty="0" smtClean="0">
-                <a:solidFill>
-                  <a:schemeClr val="accent2">
-                    <a:lumMod val="75000"/>
-                  </a:schemeClr>
-                </a:solidFill>
-              </a:rPr>
-              <a:t>)</a:t>
-            </a:r>
-            <a:endParaRPr lang="en-US" sz="1400" dirty="0">
-              <a:solidFill>
-                <a:schemeClr val="accent2">
-                  <a:lumMod val="75000"/>
-                </a:schemeClr>
-              </a:solidFill>
-            </a:endParaRPr>
-          </a:p>
-        </p:txBody>
-      </p:sp>
-      <p:cxnSp>
-        <p:nvCxnSpPr>
-          <p:cNvPr id="59" name="Straight Arrow Connector 58"/>
-          <p:cNvCxnSpPr>
-            <a:endCxn id="36" idx="0"/>
-          </p:cNvCxnSpPr>
-          <p:nvPr/>
-        </p:nvCxnSpPr>
-        <p:spPr>
-          <a:xfrm>
-            <a:off x="1128349" y="3579805"/>
-            <a:ext cx="5669" cy="632976"/>
-          </a:xfrm>
-          <a:prstGeom prst="straightConnector1">
-            <a:avLst/>
-          </a:prstGeom>
-          <a:ln>
-            <a:tailEnd type="triangle"/>
-          </a:ln>
-        </p:spPr>
-        <p:style>
-          <a:lnRef idx="3">
-            <a:schemeClr val="dk1"/>
-          </a:lnRef>
-          <a:fillRef idx="0">
-            <a:schemeClr val="dk1"/>
-          </a:fillRef>
-          <a:effectRef idx="2">
-            <a:schemeClr val="dk1"/>
-          </a:effectRef>
-          <a:fontRef idx="minor">
-            <a:schemeClr val="tx1"/>
-          </a:fontRef>
-        </p:style>
-      </p:cxnSp>
-      <p:pic>
-        <p:nvPicPr>
-          <p:cNvPr id="66" name="Picture 3"/>
-          <p:cNvPicPr>
-            <a:picLocks noChangeAspect="1" noChangeArrowheads="1"/>
-          </p:cNvPicPr>
-          <p:nvPr/>
-        </p:nvPicPr>
-        <p:blipFill>
-          <a:blip r:embed="rId2" cstate="print"/>
-          <a:srcRect/>
-          <a:stretch>
-            <a:fillRect/>
-          </a:stretch>
-        </p:blipFill>
-        <p:spPr bwMode="auto">
-          <a:xfrm>
-            <a:off x="8189843" y="924825"/>
-            <a:ext cx="3561521" cy="2971468"/>
-          </a:xfrm>
-          <a:prstGeom prst="rect">
-            <a:avLst/>
-          </a:prstGeom>
-          <a:noFill/>
-          <a:ln w="9525">
-            <a:noFill/>
-            <a:miter lim="800000"/>
-            <a:headEnd/>
-            <a:tailEnd/>
-          </a:ln>
-          <a:effectLst/>
-        </p:spPr>
-      </p:pic>
-      <p:sp>
-        <p:nvSpPr>
-          <p:cNvPr id="70" name="Oval 69"/>
-          <p:cNvSpPr/>
-          <p:nvPr/>
-        </p:nvSpPr>
-        <p:spPr>
-          <a:xfrm>
-            <a:off x="9389167" y="1737336"/>
-            <a:ext cx="2435086" cy="2435086"/>
-          </a:xfrm>
-          <a:prstGeom prst="ellipse">
-            <a:avLst/>
-          </a:prstGeom>
-        </p:spPr>
-        <p:style>
-          <a:lnRef idx="2">
-            <a:schemeClr val="dk1"/>
-          </a:lnRef>
-          <a:fillRef idx="1">
-            <a:schemeClr val="lt1"/>
-          </a:fillRef>
-          <a:effectRef idx="0">
-            <a:schemeClr val="dk1"/>
-          </a:effectRef>
-          <a:fontRef idx="minor">
-            <a:schemeClr val="dk1"/>
-          </a:fontRef>
-        </p:style>
-        <p:txBody>
-          <a:bodyPr rtlCol="0" anchor="ctr"/>
-          <a:lstStyle/>
-          <a:p>
-            <a:pPr algn="ctr"/>
-            <a:r>
-              <a:rPr lang="en-US" sz="1200" u="sng" dirty="0" smtClean="0"/>
-              <a:t>Set initial parameters:</a:t>
-            </a:r>
-          </a:p>
-          <a:p>
-            <a:pPr algn="ctr"/>
-            <a:r>
-              <a:rPr lang="en-US" sz="1200" b="1" dirty="0" smtClean="0"/>
-              <a:t>Truncate </a:t>
-            </a:r>
-            <a:r>
-              <a:rPr lang="en-US" sz="1200" dirty="0" smtClean="0"/>
-              <a:t>Specifies how many frames to cut off from beginning</a:t>
-            </a:r>
-          </a:p>
-          <a:p>
-            <a:pPr algn="ctr"/>
-            <a:r>
-              <a:rPr lang="en-US" sz="1200" b="1" dirty="0" smtClean="0"/>
-              <a:t>Z slices </a:t>
-            </a:r>
-            <a:r>
-              <a:rPr lang="en-US" sz="1200" dirty="0" smtClean="0"/>
-              <a:t>If your image is a z-stack, specify the number of z-slices at each time point</a:t>
-            </a:r>
-          </a:p>
-          <a:p>
-            <a:pPr algn="ctr"/>
-            <a:r>
-              <a:rPr lang="en-US" sz="1200" b="1" dirty="0" smtClean="0"/>
-              <a:t>Bit depth </a:t>
-            </a:r>
-            <a:r>
-              <a:rPr lang="en-US" sz="1200" dirty="0" smtClean="0"/>
-              <a:t>and </a:t>
-            </a:r>
-            <a:r>
-              <a:rPr lang="en-US" sz="1200" b="1" dirty="0" smtClean="0"/>
-              <a:t>Pixel size </a:t>
-            </a:r>
-            <a:r>
-              <a:rPr lang="en-US" sz="1200" dirty="0" smtClean="0"/>
-              <a:t>are parameters of your images</a:t>
-            </a:r>
-            <a:endParaRPr lang="en-US" b="1" dirty="0"/>
-          </a:p>
-        </p:txBody>
-      </p:sp>
-      <p:sp>
-        <p:nvSpPr>
-          <p:cNvPr id="71" name="Oval 70"/>
-          <p:cNvSpPr/>
-          <p:nvPr/>
-        </p:nvSpPr>
-        <p:spPr>
-          <a:xfrm>
-            <a:off x="10421179" y="3896293"/>
-            <a:ext cx="1611796" cy="1611796"/>
-          </a:xfrm>
-          <a:prstGeom prst="ellipse">
-            <a:avLst/>
-          </a:prstGeom>
-        </p:spPr>
-        <p:style>
-          <a:lnRef idx="2">
-            <a:schemeClr val="dk1"/>
-          </a:lnRef>
-          <a:fillRef idx="1">
-            <a:schemeClr val="lt1"/>
-          </a:fillRef>
-          <a:effectRef idx="0">
-            <a:schemeClr val="dk1"/>
-          </a:effectRef>
-          <a:fontRef idx="minor">
-            <a:schemeClr val="dk1"/>
-          </a:fontRef>
-        </p:style>
-        <p:txBody>
-          <a:bodyPr rtlCol="0" anchor="ctr"/>
-          <a:lstStyle/>
-          <a:p>
-            <a:pPr algn="ctr"/>
-            <a:r>
-              <a:rPr lang="en-US" sz="1200" dirty="0" smtClean="0"/>
-              <a:t>Click “Load images” once parameters are correctly set</a:t>
-            </a:r>
-            <a:endParaRPr lang="en-US" b="1" dirty="0"/>
           </a:p>
         </p:txBody>
       </p:sp>
     </p:spTree>
     <p:extLst>
       <p:ext uri="{BB962C8B-B14F-4D97-AF65-F5344CB8AC3E}">
-        <p14:creationId xmlns:p14="http://schemas.microsoft.com/office/powerpoint/2010/main" val="2939208999"/>
+        <p14:creationId xmlns:p14="http://schemas.microsoft.com/office/powerpoint/2010/main" val="2976935632"/>
       </p:ext>
     </p:extLst>
   </p:cSld>
@@ -5737,164 +5316,515 @@
       </p:grpSpPr>
       <p:sp>
         <p:nvSpPr>
-          <p:cNvPr id="2" name="Title 1"/>
-          <p:cNvSpPr>
-            <a:spLocks noGrp="1"/>
-          </p:cNvSpPr>
-          <p:nvPr>
-            <p:ph type="title"/>
-          </p:nvPr>
-        </p:nvSpPr>
-        <p:spPr/>
-        <p:txBody>
-          <a:bodyPr/>
-          <a:lstStyle/>
-          <a:p>
-            <a:r>
-              <a:rPr lang="en-US" dirty="0" err="1" smtClean="0"/>
-              <a:t>Imgloader_build</a:t>
-            </a:r>
+          <p:cNvPr id="36" name="Diamond 35"/>
+          <p:cNvSpPr/>
+          <p:nvPr/>
+        </p:nvSpPr>
+        <p:spPr>
+          <a:xfrm>
+            <a:off x="225479" y="4212781"/>
+            <a:ext cx="1817077" cy="1395046"/>
+          </a:xfrm>
+          <a:prstGeom prst="diamond">
+            <a:avLst/>
+          </a:prstGeom>
+        </p:spPr>
+        <p:style>
+          <a:lnRef idx="2">
+            <a:schemeClr val="dk1"/>
+          </a:lnRef>
+          <a:fillRef idx="1">
+            <a:schemeClr val="lt1"/>
+          </a:fillRef>
+          <a:effectRef idx="0">
+            <a:schemeClr val="dk1"/>
+          </a:effectRef>
+          <a:fontRef idx="minor">
+            <a:schemeClr val="dk1"/>
+          </a:fontRef>
+        </p:style>
+        <p:txBody>
+          <a:bodyPr rtlCol="0" anchor="ctr"/>
+          <a:lstStyle/>
+          <a:p>
+            <a:pPr algn="ctr"/>
+            <a:r>
+              <a:rPr lang="en-US" sz="1400" dirty="0" smtClean="0"/>
+              <a:t>Image sequence</a:t>
+            </a:r>
+            <a:endParaRPr lang="en-US" sz="1400" i="1" dirty="0">
+              <a:solidFill>
+                <a:srgbClr val="FF0000"/>
+              </a:solidFill>
+            </a:endParaRPr>
+          </a:p>
+        </p:txBody>
+      </p:sp>
+      <p:sp>
+        <p:nvSpPr>
+          <p:cNvPr id="40" name="Rectangle 39"/>
+          <p:cNvSpPr/>
+          <p:nvPr/>
+        </p:nvSpPr>
+        <p:spPr>
+          <a:xfrm>
+            <a:off x="0" y="5734878"/>
+            <a:ext cx="12192000" cy="626165"/>
+          </a:xfrm>
+          <a:prstGeom prst="rect">
+            <a:avLst/>
+          </a:prstGeom>
+        </p:spPr>
+        <p:style>
+          <a:lnRef idx="2">
+            <a:schemeClr val="accent1">
+              <a:shade val="50000"/>
+            </a:schemeClr>
+          </a:lnRef>
+          <a:fillRef idx="1">
+            <a:schemeClr val="accent1"/>
+          </a:fillRef>
+          <a:effectRef idx="0">
+            <a:schemeClr val="accent1"/>
+          </a:effectRef>
+          <a:fontRef idx="minor">
+            <a:schemeClr val="lt1"/>
+          </a:fontRef>
+        </p:style>
+        <p:txBody>
+          <a:bodyPr rtlCol="0" anchor="ctr"/>
+          <a:lstStyle/>
+          <a:p>
+            <a:pPr algn="ctr"/>
             <a:r>
               <a:rPr lang="en-US" dirty="0" smtClean="0"/>
-              <a:t/>
-            </a:r>
-            <a:br>
-              <a:rPr lang="en-US" dirty="0" smtClean="0"/>
-            </a:br>
-            <a:r>
-              <a:rPr lang="en-US" sz="2400" dirty="0" smtClean="0"/>
-              <a:t>Jozsef Meszaros &amp; Daniela </a:t>
-            </a:r>
-            <a:r>
-              <a:rPr lang="en-US" sz="2400" dirty="0" err="1" smtClean="0"/>
-              <a:t>Periera</a:t>
-            </a:r>
-            <a:endParaRPr lang="en-US" sz="2400" dirty="0"/>
-          </a:p>
-        </p:txBody>
-      </p:sp>
-      <p:sp>
-        <p:nvSpPr>
-          <p:cNvPr id="3" name="Content Placeholder 2"/>
-          <p:cNvSpPr>
-            <a:spLocks noGrp="1"/>
-          </p:cNvSpPr>
-          <p:nvPr>
-            <p:ph idx="1"/>
-          </p:nvPr>
-        </p:nvSpPr>
-        <p:spPr/>
-        <p:txBody>
-          <a:bodyPr/>
-          <a:lstStyle/>
-          <a:p>
-            <a:pPr marL="0" indent="0">
-              <a:buNone/>
-            </a:pPr>
-            <a:r>
-              <a:rPr lang="en-US" dirty="0" smtClean="0"/>
-              <a:t>This is a help file in </a:t>
-            </a:r>
-            <a:r>
-              <a:rPr lang="en-US" dirty="0" err="1" smtClean="0"/>
-              <a:t>Powerpoint</a:t>
-            </a:r>
-            <a:r>
-              <a:rPr lang="en-US" dirty="0" smtClean="0"/>
-              <a:t> format to lead you through all of the usage and data structures created by the GUI</a:t>
-            </a:r>
-          </a:p>
-          <a:p>
-            <a:pPr marL="0" indent="0">
-              <a:buNone/>
-            </a:pPr>
-            <a:endParaRPr lang="en-US" dirty="0" smtClean="0"/>
-          </a:p>
-          <a:p>
-            <a:pPr marL="0" indent="0">
-              <a:buNone/>
-            </a:pPr>
-            <a:r>
-              <a:rPr lang="en-US" dirty="0" smtClean="0"/>
-              <a:t>Basic proficiency in </a:t>
-            </a:r>
-            <a:r>
-              <a:rPr lang="en-US" dirty="0" err="1" smtClean="0"/>
-              <a:t>Matlab</a:t>
-            </a:r>
-            <a:r>
-              <a:rPr lang="en-US" dirty="0" smtClean="0"/>
-              <a:t> is essential for properly understanding the code and this </a:t>
-            </a:r>
-            <a:r>
-              <a:rPr lang="en-US" dirty="0" err="1" smtClean="0"/>
-              <a:t>Powerpoint</a:t>
+              <a:t>Image preprocessing</a:t>
             </a:r>
             <a:endParaRPr lang="en-US" dirty="0"/>
           </a:p>
-          <a:p>
-            <a:pPr marL="0" indent="0">
-              <a:buNone/>
-            </a:pPr>
-            <a:endParaRPr lang="en-US" dirty="0" smtClean="0"/>
-          </a:p>
-          <a:p>
-            <a:pPr marL="0" indent="0">
-              <a:buNone/>
-            </a:pPr>
-            <a:r>
-              <a:rPr lang="en-US" sz="1400" dirty="0" smtClean="0"/>
-              <a:t>Credits: To </a:t>
-            </a:r>
-            <a:r>
-              <a:rPr lang="en-US" sz="1400" dirty="0"/>
-              <a:t>Manuel </a:t>
-            </a:r>
-            <a:r>
-              <a:rPr lang="en-US" sz="1400" dirty="0" err="1" smtClean="0"/>
-              <a:t>Guizar</a:t>
-            </a:r>
-            <a:r>
-              <a:rPr lang="en-US" sz="1400" dirty="0" smtClean="0"/>
-              <a:t> for developing DFT registration and </a:t>
-            </a:r>
-            <a:r>
-              <a:rPr lang="en-US" sz="1400" dirty="0"/>
-              <a:t>Jonathan </a:t>
-            </a:r>
-            <a:r>
-              <a:rPr lang="en-US" sz="1400" dirty="0" err="1" smtClean="0"/>
-              <a:t>Lansey</a:t>
-            </a:r>
-            <a:r>
-              <a:rPr lang="en-US" sz="1400" dirty="0"/>
-              <a:t> </a:t>
-            </a:r>
-            <a:r>
-              <a:rPr lang="en-US" sz="1400" dirty="0" smtClean="0"/>
-              <a:t>for </a:t>
-            </a:r>
-            <a:r>
-              <a:rPr lang="en-US" sz="1400" dirty="0" err="1" smtClean="0"/>
-              <a:t>logfit</a:t>
-            </a:r>
-            <a:r>
-              <a:rPr lang="en-US" sz="1400" dirty="0" smtClean="0"/>
-              <a:t>.</a:t>
-            </a:r>
-          </a:p>
-          <a:p>
-            <a:pPr marL="0" indent="0">
-              <a:buNone/>
-            </a:pPr>
+        </p:txBody>
+      </p:sp>
+      <p:sp>
+        <p:nvSpPr>
+          <p:cNvPr id="42" name="Oval 41"/>
+          <p:cNvSpPr/>
+          <p:nvPr/>
+        </p:nvSpPr>
+        <p:spPr>
+          <a:xfrm>
+            <a:off x="124369" y="146154"/>
+            <a:ext cx="2019300" cy="2019300"/>
+          </a:xfrm>
+          <a:prstGeom prst="ellipse">
+            <a:avLst/>
+          </a:prstGeom>
+        </p:spPr>
+        <p:style>
+          <a:lnRef idx="2">
+            <a:schemeClr val="dk1"/>
+          </a:lnRef>
+          <a:fillRef idx="1">
+            <a:schemeClr val="lt1"/>
+          </a:fillRef>
+          <a:effectRef idx="0">
+            <a:schemeClr val="dk1"/>
+          </a:effectRef>
+          <a:fontRef idx="minor">
+            <a:schemeClr val="dk1"/>
+          </a:fontRef>
+        </p:style>
+        <p:txBody>
+          <a:bodyPr rtlCol="0" anchor="ctr"/>
+          <a:lstStyle/>
+          <a:p>
+            <a:pPr algn="ctr"/>
+            <a:r>
+              <a:rPr lang="en-US" dirty="0"/>
+              <a:t>User selects image from an image sequence on drive</a:t>
+            </a:r>
+          </a:p>
+          <a:p>
+            <a:pPr algn="ctr"/>
             <a:endParaRPr lang="en-US" dirty="0"/>
+          </a:p>
+        </p:txBody>
+      </p:sp>
+      <p:cxnSp>
+        <p:nvCxnSpPr>
+          <p:cNvPr id="46" name="Straight Arrow Connector 45"/>
+          <p:cNvCxnSpPr>
+            <a:stCxn id="42" idx="4"/>
+          </p:cNvCxnSpPr>
+          <p:nvPr/>
+        </p:nvCxnSpPr>
+        <p:spPr>
+          <a:xfrm>
+            <a:off x="1134019" y="2165454"/>
+            <a:ext cx="0" cy="565891"/>
+          </a:xfrm>
+          <a:prstGeom prst="straightConnector1">
+            <a:avLst/>
+          </a:prstGeom>
+          <a:ln>
+            <a:tailEnd type="triangle"/>
+          </a:ln>
+        </p:spPr>
+        <p:style>
+          <a:lnRef idx="3">
+            <a:schemeClr val="dk1"/>
+          </a:lnRef>
+          <a:fillRef idx="0">
+            <a:schemeClr val="dk1"/>
+          </a:fillRef>
+          <a:effectRef idx="2">
+            <a:schemeClr val="dk1"/>
+          </a:effectRef>
+          <a:fontRef idx="minor">
+            <a:schemeClr val="tx1"/>
+          </a:fontRef>
+        </p:style>
+      </p:cxnSp>
+      <p:sp>
+        <p:nvSpPr>
+          <p:cNvPr id="55" name="TextBox 54"/>
+          <p:cNvSpPr txBox="1"/>
+          <p:nvPr/>
+        </p:nvSpPr>
+        <p:spPr>
+          <a:xfrm>
+            <a:off x="1149768" y="2467722"/>
+            <a:ext cx="1224444" cy="307777"/>
+          </a:xfrm>
+          <a:prstGeom prst="rect">
+            <a:avLst/>
+          </a:prstGeom>
+          <a:noFill/>
+        </p:spPr>
+        <p:txBody>
+          <a:bodyPr wrap="square" rtlCol="0">
+            <a:spAutoFit/>
+          </a:bodyPr>
+          <a:lstStyle/>
+          <a:p>
+            <a:r>
+              <a:rPr lang="en-US" sz="1400" i="1" dirty="0" err="1" smtClean="0">
+                <a:solidFill>
+                  <a:schemeClr val="accent2">
+                    <a:lumMod val="75000"/>
+                  </a:schemeClr>
+                </a:solidFill>
+              </a:rPr>
+              <a:t>GUIloadimgs</a:t>
+            </a:r>
+            <a:endParaRPr lang="en-US" sz="1400" dirty="0">
+              <a:solidFill>
+                <a:schemeClr val="accent2">
+                  <a:lumMod val="75000"/>
+                </a:schemeClr>
+              </a:solidFill>
+            </a:endParaRPr>
+          </a:p>
+        </p:txBody>
+      </p:sp>
+      <p:sp>
+        <p:nvSpPr>
+          <p:cNvPr id="58" name="Rectangle 57"/>
+          <p:cNvSpPr/>
+          <p:nvPr/>
+        </p:nvSpPr>
+        <p:spPr>
+          <a:xfrm>
+            <a:off x="55495" y="2735743"/>
+            <a:ext cx="2157047" cy="844062"/>
+          </a:xfrm>
+          <a:prstGeom prst="rect">
+            <a:avLst/>
+          </a:prstGeom>
+          <a:noFill/>
+          <a:ln>
+            <a:solidFill>
+              <a:schemeClr val="accent2"/>
+            </a:solidFill>
+          </a:ln>
+        </p:spPr>
+        <p:style>
+          <a:lnRef idx="2">
+            <a:schemeClr val="dk1"/>
+          </a:lnRef>
+          <a:fillRef idx="1">
+            <a:schemeClr val="lt1"/>
+          </a:fillRef>
+          <a:effectRef idx="0">
+            <a:schemeClr val="dk1"/>
+          </a:effectRef>
+          <a:fontRef idx="minor">
+            <a:schemeClr val="dk1"/>
+          </a:fontRef>
+        </p:style>
+        <p:txBody>
+          <a:bodyPr rtlCol="0" anchor="ctr"/>
+          <a:lstStyle/>
+          <a:p>
+            <a:pPr algn="ctr"/>
+            <a:r>
+              <a:rPr lang="en-US" sz="1400" dirty="0" smtClean="0">
+                <a:solidFill>
+                  <a:schemeClr val="accent2">
+                    <a:lumMod val="75000"/>
+                  </a:schemeClr>
+                </a:solidFill>
+              </a:rPr>
+              <a:t>Loads every image and scales intensity (0</a:t>
+            </a:r>
+            <a:r>
+              <a:rPr lang="en-US" sz="1400" dirty="0">
+                <a:solidFill>
+                  <a:schemeClr val="accent2">
+                    <a:lumMod val="75000"/>
+                  </a:schemeClr>
+                </a:solidFill>
+                <a:sym typeface="Symbol"/>
+              </a:rPr>
+              <a:t>  </a:t>
+            </a:r>
+            <a:r>
+              <a:rPr lang="en-US" sz="1400" dirty="0" smtClean="0">
+                <a:solidFill>
+                  <a:schemeClr val="accent2">
+                    <a:lumMod val="75000"/>
+                  </a:schemeClr>
+                </a:solidFill>
+              </a:rPr>
+              <a:t>0; 2^bitdepth</a:t>
+            </a:r>
+            <a:r>
+              <a:rPr lang="en-US" sz="1400" dirty="0" smtClean="0">
+                <a:solidFill>
+                  <a:schemeClr val="accent2">
+                    <a:lumMod val="75000"/>
+                  </a:schemeClr>
+                </a:solidFill>
+                <a:sym typeface="Symbol"/>
+              </a:rPr>
+              <a:t></a:t>
+            </a:r>
+            <a:r>
+              <a:rPr lang="en-US" sz="1400" dirty="0" smtClean="0">
+                <a:solidFill>
+                  <a:schemeClr val="accent2">
+                    <a:lumMod val="75000"/>
+                  </a:schemeClr>
+                </a:solidFill>
+              </a:rPr>
+              <a:t>1)</a:t>
+            </a:r>
+            <a:endParaRPr lang="en-US" sz="1400" dirty="0">
+              <a:solidFill>
+                <a:schemeClr val="accent2">
+                  <a:lumMod val="75000"/>
+                </a:schemeClr>
+              </a:solidFill>
+            </a:endParaRPr>
+          </a:p>
+        </p:txBody>
+      </p:sp>
+      <p:cxnSp>
+        <p:nvCxnSpPr>
+          <p:cNvPr id="59" name="Straight Arrow Connector 58"/>
+          <p:cNvCxnSpPr>
+            <a:endCxn id="36" idx="0"/>
+          </p:cNvCxnSpPr>
+          <p:nvPr/>
+        </p:nvCxnSpPr>
+        <p:spPr>
+          <a:xfrm>
+            <a:off x="1128349" y="3579805"/>
+            <a:ext cx="5669" cy="632976"/>
+          </a:xfrm>
+          <a:prstGeom prst="straightConnector1">
+            <a:avLst/>
+          </a:prstGeom>
+          <a:ln>
+            <a:tailEnd type="triangle"/>
+          </a:ln>
+        </p:spPr>
+        <p:style>
+          <a:lnRef idx="3">
+            <a:schemeClr val="dk1"/>
+          </a:lnRef>
+          <a:fillRef idx="0">
+            <a:schemeClr val="dk1"/>
+          </a:fillRef>
+          <a:effectRef idx="2">
+            <a:schemeClr val="dk1"/>
+          </a:effectRef>
+          <a:fontRef idx="minor">
+            <a:schemeClr val="tx1"/>
+          </a:fontRef>
+        </p:style>
+      </p:cxnSp>
+      <p:pic>
+        <p:nvPicPr>
+          <p:cNvPr id="66" name="Picture 3"/>
+          <p:cNvPicPr>
+            <a:picLocks noChangeAspect="1" noChangeArrowheads="1"/>
+          </p:cNvPicPr>
+          <p:nvPr/>
+        </p:nvPicPr>
+        <p:blipFill>
+          <a:blip r:embed="rId2" cstate="print"/>
+          <a:srcRect/>
+          <a:stretch>
+            <a:fillRect/>
+          </a:stretch>
+        </p:blipFill>
+        <p:spPr bwMode="auto">
+          <a:xfrm>
+            <a:off x="8189843" y="924825"/>
+            <a:ext cx="3561521" cy="2971468"/>
+          </a:xfrm>
+          <a:prstGeom prst="rect">
+            <a:avLst/>
+          </a:prstGeom>
+          <a:noFill/>
+          <a:ln w="9525">
+            <a:noFill/>
+            <a:miter lim="800000"/>
+            <a:headEnd/>
+            <a:tailEnd/>
+          </a:ln>
+          <a:effectLst/>
+        </p:spPr>
+      </p:pic>
+      <p:sp>
+        <p:nvSpPr>
+          <p:cNvPr id="70" name="Oval 69"/>
+          <p:cNvSpPr/>
+          <p:nvPr/>
+        </p:nvSpPr>
+        <p:spPr>
+          <a:xfrm>
+            <a:off x="9389167" y="1737336"/>
+            <a:ext cx="2435086" cy="2435086"/>
+          </a:xfrm>
+          <a:prstGeom prst="ellipse">
+            <a:avLst/>
+          </a:prstGeom>
+        </p:spPr>
+        <p:style>
+          <a:lnRef idx="2">
+            <a:schemeClr val="dk1"/>
+          </a:lnRef>
+          <a:fillRef idx="1">
+            <a:schemeClr val="lt1"/>
+          </a:fillRef>
+          <a:effectRef idx="0">
+            <a:schemeClr val="dk1"/>
+          </a:effectRef>
+          <a:fontRef idx="minor">
+            <a:schemeClr val="dk1"/>
+          </a:fontRef>
+        </p:style>
+        <p:txBody>
+          <a:bodyPr rtlCol="0" anchor="ctr"/>
+          <a:lstStyle/>
+          <a:p>
+            <a:pPr algn="ctr"/>
+            <a:r>
+              <a:rPr lang="en-US" sz="1200" u="sng" dirty="0" smtClean="0"/>
+              <a:t>Set initial parameters:</a:t>
+            </a:r>
+          </a:p>
+          <a:p>
+            <a:pPr algn="ctr"/>
+            <a:r>
+              <a:rPr lang="en-US" sz="1200" b="1" dirty="0" smtClean="0"/>
+              <a:t>Truncate </a:t>
+            </a:r>
+            <a:r>
+              <a:rPr lang="en-US" sz="1200" dirty="0" smtClean="0"/>
+              <a:t>Specifies how many frames to cut off from beginning</a:t>
+            </a:r>
+          </a:p>
+          <a:p>
+            <a:pPr algn="ctr"/>
+            <a:r>
+              <a:rPr lang="en-US" sz="1200" b="1" dirty="0" smtClean="0"/>
+              <a:t>Z slices </a:t>
+            </a:r>
+            <a:r>
+              <a:rPr lang="en-US" sz="1200" dirty="0" smtClean="0"/>
+              <a:t>If your image is a z-stack, specify the number of z-slices at each time point</a:t>
+            </a:r>
+          </a:p>
+          <a:p>
+            <a:pPr algn="ctr"/>
+            <a:r>
+              <a:rPr lang="en-US" sz="1200" b="1" dirty="0" smtClean="0"/>
+              <a:t>Bit depth </a:t>
+            </a:r>
+            <a:r>
+              <a:rPr lang="en-US" sz="1200" dirty="0" smtClean="0"/>
+              <a:t>and </a:t>
+            </a:r>
+            <a:r>
+              <a:rPr lang="en-US" sz="1200" b="1" dirty="0" smtClean="0"/>
+              <a:t>Pixel size </a:t>
+            </a:r>
+            <a:r>
+              <a:rPr lang="en-US" sz="1200" dirty="0" smtClean="0"/>
+              <a:t>are parameters of your images</a:t>
+            </a:r>
+            <a:endParaRPr lang="en-US" b="1" dirty="0"/>
+          </a:p>
+        </p:txBody>
+      </p:sp>
+      <p:sp>
+        <p:nvSpPr>
+          <p:cNvPr id="71" name="Oval 70"/>
+          <p:cNvSpPr/>
+          <p:nvPr/>
+        </p:nvSpPr>
+        <p:spPr>
+          <a:xfrm>
+            <a:off x="10421179" y="3896293"/>
+            <a:ext cx="1611796" cy="1611796"/>
+          </a:xfrm>
+          <a:prstGeom prst="ellipse">
+            <a:avLst/>
+          </a:prstGeom>
+        </p:spPr>
+        <p:style>
+          <a:lnRef idx="2">
+            <a:schemeClr val="dk1"/>
+          </a:lnRef>
+          <a:fillRef idx="1">
+            <a:schemeClr val="lt1"/>
+          </a:fillRef>
+          <a:effectRef idx="0">
+            <a:schemeClr val="dk1"/>
+          </a:effectRef>
+          <a:fontRef idx="minor">
+            <a:schemeClr val="dk1"/>
+          </a:fontRef>
+        </p:style>
+        <p:txBody>
+          <a:bodyPr rtlCol="0" anchor="ctr"/>
+          <a:lstStyle/>
+          <a:p>
+            <a:pPr algn="ctr"/>
+            <a:r>
+              <a:rPr lang="en-US" sz="1200" dirty="0" smtClean="0"/>
+              <a:t>Click “Load images” once parameters are correctly set</a:t>
+            </a:r>
+            <a:endParaRPr lang="en-US" b="1" dirty="0"/>
           </a:p>
         </p:txBody>
       </p:sp>
     </p:spTree>
     <p:extLst>
       <p:ext uri="{BB962C8B-B14F-4D97-AF65-F5344CB8AC3E}">
-        <p14:creationId xmlns:p14="http://schemas.microsoft.com/office/powerpoint/2010/main" val="2976935632"/>
+        <p14:creationId xmlns:p14="http://schemas.microsoft.com/office/powerpoint/2010/main" val="2939208999"/>
       </p:ext>
     </p:extLst>
   </p:cSld>
@@ -6326,47 +6256,7 @@
                   </a:schemeClr>
                 </a:solidFill>
               </a:rPr>
-              <a:t>Loads </a:t>
-            </a:r>
-            <a:r>
-              <a:rPr lang="en-US" sz="1400" dirty="0" smtClean="0">
-                <a:solidFill>
-                  <a:schemeClr val="bg1">
-                    <a:lumMod val="65000"/>
-                  </a:schemeClr>
-                </a:solidFill>
-              </a:rPr>
-              <a:t>every image and </a:t>
-            </a:r>
-            <a:r>
-              <a:rPr lang="en-US" sz="1400" dirty="0" smtClean="0">
-                <a:solidFill>
-                  <a:schemeClr val="bg1">
-                    <a:lumMod val="65000"/>
-                  </a:schemeClr>
-                </a:solidFill>
-              </a:rPr>
-              <a:t>scales </a:t>
-            </a:r>
-            <a:r>
-              <a:rPr lang="en-US" sz="1400" dirty="0" smtClean="0">
-                <a:solidFill>
-                  <a:schemeClr val="bg1">
-                    <a:lumMod val="65000"/>
-                  </a:schemeClr>
-                </a:solidFill>
-              </a:rPr>
-              <a:t>intensity (</a:t>
-            </a:r>
-            <a:r>
-              <a:rPr lang="en-US" sz="1400" dirty="0" smtClean="0">
-                <a:solidFill>
-                  <a:schemeClr val="bg1">
-                    <a:lumMod val="65000"/>
-                  </a:schemeClr>
-                </a:solidFill>
-              </a:rPr>
-              <a:t>0</a:t>
+              <a:t>Loads every image and scales intensity (0</a:t>
             </a:r>
             <a:r>
               <a:rPr lang="en-US" sz="1400" dirty="0">
@@ -6387,27 +6277,7 @@
                   </a:schemeClr>
                 </a:solidFill>
               </a:rPr>
-              <a:t>0</a:t>
-            </a:r>
-            <a:r>
-              <a:rPr lang="en-US" sz="1400" dirty="0" smtClean="0">
-                <a:solidFill>
-                  <a:schemeClr val="bg1">
-                    <a:lumMod val="65000"/>
-                  </a:schemeClr>
-                </a:solidFill>
-              </a:rPr>
-              <a:t>; </a:t>
-            </a:r>
-            <a:r>
-              <a:rPr lang="en-US" sz="1400" dirty="0" smtClean="0">
-                <a:solidFill>
-                  <a:schemeClr val="bg1">
-                    <a:lumMod val="65000"/>
-                  </a:schemeClr>
-                </a:solidFill>
-              </a:rPr>
-              <a:t>2^bitdepth</a:t>
+              <a:t>0; 2^bitdepth</a:t>
             </a:r>
             <a:r>
               <a:rPr lang="en-US" sz="1400" dirty="0" smtClean="0">
@@ -6428,17 +6298,7 @@
                   </a:schemeClr>
                 </a:solidFill>
               </a:rPr>
-              <a:t>1</a:t>
-            </a:r>
-            <a:r>
-              <a:rPr lang="en-US" sz="1400" dirty="0" smtClean="0">
-                <a:solidFill>
-                  <a:schemeClr val="bg1">
-                    <a:lumMod val="65000"/>
-                  </a:schemeClr>
-                </a:solidFill>
-              </a:rPr>
-              <a:t>)</a:t>
+              <a:t>1)</a:t>
             </a:r>
             <a:endParaRPr lang="en-US" sz="1400" dirty="0">
               <a:solidFill>
@@ -7032,47 +6892,7 @@
                   </a:schemeClr>
                 </a:solidFill>
               </a:rPr>
-              <a:t>Loads </a:t>
-            </a:r>
-            <a:r>
-              <a:rPr lang="en-US" sz="1400" dirty="0" smtClean="0">
-                <a:solidFill>
-                  <a:schemeClr val="bg1">
-                    <a:lumMod val="65000"/>
-                  </a:schemeClr>
-                </a:solidFill>
-              </a:rPr>
-              <a:t>every image and </a:t>
-            </a:r>
-            <a:r>
-              <a:rPr lang="en-US" sz="1400" dirty="0" smtClean="0">
-                <a:solidFill>
-                  <a:schemeClr val="bg1">
-                    <a:lumMod val="65000"/>
-                  </a:schemeClr>
-                </a:solidFill>
-              </a:rPr>
-              <a:t>scales </a:t>
-            </a:r>
-            <a:r>
-              <a:rPr lang="en-US" sz="1400" dirty="0" smtClean="0">
-                <a:solidFill>
-                  <a:schemeClr val="bg1">
-                    <a:lumMod val="65000"/>
-                  </a:schemeClr>
-                </a:solidFill>
-              </a:rPr>
-              <a:t>intensity (</a:t>
-            </a:r>
-            <a:r>
-              <a:rPr lang="en-US" sz="1400" dirty="0" smtClean="0">
-                <a:solidFill>
-                  <a:schemeClr val="bg1">
-                    <a:lumMod val="65000"/>
-                  </a:schemeClr>
-                </a:solidFill>
-              </a:rPr>
-              <a:t>0</a:t>
+              <a:t>Loads every image and scales intensity (0</a:t>
             </a:r>
             <a:r>
               <a:rPr lang="en-US" sz="1400" dirty="0">
@@ -7093,27 +6913,7 @@
                   </a:schemeClr>
                 </a:solidFill>
               </a:rPr>
-              <a:t>0</a:t>
-            </a:r>
-            <a:r>
-              <a:rPr lang="en-US" sz="1400" dirty="0" smtClean="0">
-                <a:solidFill>
-                  <a:schemeClr val="bg1">
-                    <a:lumMod val="65000"/>
-                  </a:schemeClr>
-                </a:solidFill>
-              </a:rPr>
-              <a:t>; </a:t>
-            </a:r>
-            <a:r>
-              <a:rPr lang="en-US" sz="1400" dirty="0" smtClean="0">
-                <a:solidFill>
-                  <a:schemeClr val="bg1">
-                    <a:lumMod val="65000"/>
-                  </a:schemeClr>
-                </a:solidFill>
-              </a:rPr>
-              <a:t>2^bitdepth</a:t>
+              <a:t>0; 2^bitdepth</a:t>
             </a:r>
             <a:r>
               <a:rPr lang="en-US" sz="1400" dirty="0" smtClean="0">
@@ -7134,17 +6934,7 @@
                   </a:schemeClr>
                 </a:solidFill>
               </a:rPr>
-              <a:t>1</a:t>
-            </a:r>
-            <a:r>
-              <a:rPr lang="en-US" sz="1400" dirty="0" smtClean="0">
-                <a:solidFill>
-                  <a:schemeClr val="bg1">
-                    <a:lumMod val="65000"/>
-                  </a:schemeClr>
-                </a:solidFill>
-              </a:rPr>
-              <a:t>)</a:t>
+              <a:t>1)</a:t>
             </a:r>
             <a:endParaRPr lang="en-US" sz="1400" dirty="0">
               <a:solidFill>
@@ -8011,47 +7801,7 @@
                   </a:schemeClr>
                 </a:solidFill>
               </a:rPr>
-              <a:t>Loads </a:t>
-            </a:r>
-            <a:r>
-              <a:rPr lang="en-US" sz="1400" dirty="0" smtClean="0">
-                <a:solidFill>
-                  <a:schemeClr val="bg1">
-                    <a:lumMod val="65000"/>
-                  </a:schemeClr>
-                </a:solidFill>
-              </a:rPr>
-              <a:t>every image and </a:t>
-            </a:r>
-            <a:r>
-              <a:rPr lang="en-US" sz="1400" dirty="0" smtClean="0">
-                <a:solidFill>
-                  <a:schemeClr val="bg1">
-                    <a:lumMod val="65000"/>
-                  </a:schemeClr>
-                </a:solidFill>
-              </a:rPr>
-              <a:t>scales </a:t>
-            </a:r>
-            <a:r>
-              <a:rPr lang="en-US" sz="1400" dirty="0" smtClean="0">
-                <a:solidFill>
-                  <a:schemeClr val="bg1">
-                    <a:lumMod val="65000"/>
-                  </a:schemeClr>
-                </a:solidFill>
-              </a:rPr>
-              <a:t>intensity (</a:t>
-            </a:r>
-            <a:r>
-              <a:rPr lang="en-US" sz="1400" dirty="0" smtClean="0">
-                <a:solidFill>
-                  <a:schemeClr val="bg1">
-                    <a:lumMod val="65000"/>
-                  </a:schemeClr>
-                </a:solidFill>
-              </a:rPr>
-              <a:t>0</a:t>
+              <a:t>Loads every image and scales intensity (0</a:t>
             </a:r>
             <a:r>
               <a:rPr lang="en-US" sz="1400" dirty="0">
@@ -8072,27 +7822,7 @@
                   </a:schemeClr>
                 </a:solidFill>
               </a:rPr>
-              <a:t>0</a:t>
-            </a:r>
-            <a:r>
-              <a:rPr lang="en-US" sz="1400" dirty="0" smtClean="0">
-                <a:solidFill>
-                  <a:schemeClr val="bg1">
-                    <a:lumMod val="65000"/>
-                  </a:schemeClr>
-                </a:solidFill>
-              </a:rPr>
-              <a:t>; </a:t>
-            </a:r>
-            <a:r>
-              <a:rPr lang="en-US" sz="1400" dirty="0" smtClean="0">
-                <a:solidFill>
-                  <a:schemeClr val="bg1">
-                    <a:lumMod val="65000"/>
-                  </a:schemeClr>
-                </a:solidFill>
-              </a:rPr>
-              <a:t>2^bitdepth</a:t>
+              <a:t>0; 2^bitdepth</a:t>
             </a:r>
             <a:r>
               <a:rPr lang="en-US" sz="1400" dirty="0" smtClean="0">
@@ -8113,17 +7843,7 @@
                   </a:schemeClr>
                 </a:solidFill>
               </a:rPr>
-              <a:t>1</a:t>
-            </a:r>
-            <a:r>
-              <a:rPr lang="en-US" sz="1400" dirty="0" smtClean="0">
-                <a:solidFill>
-                  <a:schemeClr val="bg1">
-                    <a:lumMod val="65000"/>
-                  </a:schemeClr>
-                </a:solidFill>
-              </a:rPr>
-              <a:t>)</a:t>
+              <a:t>1)</a:t>
             </a:r>
             <a:endParaRPr lang="en-US" sz="1400" dirty="0">
               <a:solidFill>
@@ -8774,11 +8494,7 @@
             <a:pPr algn="ctr"/>
             <a:r>
               <a:rPr lang="en-US" dirty="0" smtClean="0"/>
-              <a:t>Thresholds </a:t>
-            </a:r>
-            <a:r>
-              <a:rPr lang="en-US" dirty="0" smtClean="0"/>
-              <a:t>average image to obtain masks</a:t>
+              <a:t>Thresholds average image to obtain masks</a:t>
             </a:r>
             <a:endParaRPr lang="en-US" dirty="0"/>
           </a:p>
@@ -8820,11 +8536,7 @@
             <a:pPr algn="ctr"/>
             <a:r>
               <a:rPr lang="en-US" dirty="0" smtClean="0"/>
-              <a:t>Thresholds </a:t>
-            </a:r>
-            <a:r>
-              <a:rPr lang="en-US" dirty="0" smtClean="0"/>
-              <a:t>first and last image to obtain masks</a:t>
+              <a:t>Thresholds first and last image to obtain masks</a:t>
             </a:r>
             <a:endParaRPr lang="en-US" dirty="0"/>
           </a:p>
@@ -8866,19 +8578,7 @@
             <a:pPr algn="ctr"/>
             <a:r>
               <a:rPr lang="en-US" dirty="0" smtClean="0"/>
-              <a:t>Compares </a:t>
-            </a:r>
-            <a:r>
-              <a:rPr lang="en-US" dirty="0" smtClean="0"/>
-              <a:t>and </a:t>
-            </a:r>
-            <a:r>
-              <a:rPr lang="en-US" dirty="0" smtClean="0"/>
-              <a:t>keeps </a:t>
-            </a:r>
-            <a:r>
-              <a:rPr lang="en-US" dirty="0" smtClean="0"/>
-              <a:t>only masks present in all </a:t>
+              <a:t>Compares and keeps only masks present in all </a:t>
             </a:r>
             <a:r>
               <a:rPr lang="en-US" dirty="0" err="1" smtClean="0"/>
@@ -8928,11 +8628,7 @@
             <a:pPr algn="ctr"/>
             <a:r>
               <a:rPr lang="en-US" dirty="0" smtClean="0"/>
-              <a:t>Forms </a:t>
-            </a:r>
-            <a:r>
-              <a:rPr lang="en-US" dirty="0" smtClean="0"/>
-              <a:t>background image from everything other than masks</a:t>
+              <a:t>Forms background image from everything other than masks</a:t>
             </a:r>
             <a:endParaRPr lang="en-US" dirty="0"/>
           </a:p>
@@ -9491,11 +9187,7 @@
             <a:pPr algn="ctr"/>
             <a:r>
               <a:rPr lang="en-US" dirty="0" smtClean="0"/>
-              <a:t>Thresholds </a:t>
-            </a:r>
-            <a:r>
-              <a:rPr lang="en-US" dirty="0" smtClean="0"/>
-              <a:t>average image to obtain masks</a:t>
+              <a:t>Thresholds average image to obtain masks</a:t>
             </a:r>
             <a:endParaRPr lang="en-US" dirty="0"/>
           </a:p>
@@ -9537,11 +9229,7 @@
             <a:pPr algn="ctr"/>
             <a:r>
               <a:rPr lang="en-US" dirty="0" smtClean="0"/>
-              <a:t>Thresholds </a:t>
-            </a:r>
-            <a:r>
-              <a:rPr lang="en-US" dirty="0" smtClean="0"/>
-              <a:t>first and last image to obtain masks</a:t>
+              <a:t>Thresholds first and last image to obtain masks</a:t>
             </a:r>
             <a:endParaRPr lang="en-US" dirty="0"/>
           </a:p>
@@ -9583,19 +9271,7 @@
             <a:pPr algn="ctr"/>
             <a:r>
               <a:rPr lang="en-US" dirty="0" smtClean="0"/>
-              <a:t>Compares </a:t>
-            </a:r>
-            <a:r>
-              <a:rPr lang="en-US" dirty="0" smtClean="0"/>
-              <a:t>and </a:t>
-            </a:r>
-            <a:r>
-              <a:rPr lang="en-US" dirty="0" smtClean="0"/>
-              <a:t>keeps </a:t>
-            </a:r>
-            <a:r>
-              <a:rPr lang="en-US" dirty="0" smtClean="0"/>
-              <a:t>only masks present in all </a:t>
+              <a:t>Compares and keeps only masks present in all </a:t>
             </a:r>
             <a:r>
               <a:rPr lang="en-US" dirty="0" err="1" smtClean="0"/>
@@ -9645,11 +9321,7 @@
             <a:pPr algn="ctr"/>
             <a:r>
               <a:rPr lang="en-US" dirty="0" smtClean="0"/>
-              <a:t>Forms </a:t>
-            </a:r>
-            <a:r>
-              <a:rPr lang="en-US" dirty="0" smtClean="0"/>
-              <a:t>background image from everything other than masks</a:t>
+              <a:t>Forms background image from everything other than masks</a:t>
             </a:r>
             <a:endParaRPr lang="en-US" dirty="0"/>
           </a:p>
@@ -10336,11 +10008,7 @@
             <a:pPr algn="ctr"/>
             <a:r>
               <a:rPr lang="en-US" dirty="0" smtClean="0"/>
-              <a:t>Gets </a:t>
-            </a:r>
-            <a:r>
-              <a:rPr lang="en-US" dirty="0" smtClean="0"/>
-              <a:t>intensities in these masks</a:t>
+              <a:t>Gets intensities in these masks</a:t>
             </a:r>
             <a:endParaRPr lang="en-US" dirty="0"/>
           </a:p>
@@ -10444,11 +10112,7 @@
             <a:pPr algn="ctr"/>
             <a:r>
               <a:rPr lang="en-US" dirty="0" smtClean="0"/>
-              <a:t>Gets </a:t>
-            </a:r>
-            <a:r>
-              <a:rPr lang="en-US" dirty="0" smtClean="0"/>
-              <a:t>intensities in this mask</a:t>
+              <a:t>Gets intensities in this mask</a:t>
             </a:r>
             <a:endParaRPr lang="en-US" dirty="0"/>
           </a:p>
@@ -10634,23 +10298,7 @@
             <a:pPr algn="ctr"/>
             <a:r>
               <a:rPr lang="en-US" dirty="0" smtClean="0"/>
-              <a:t>If </a:t>
-            </a:r>
-            <a:r>
-              <a:rPr lang="en-US" dirty="0" smtClean="0"/>
-              <a:t>‘remove background’ </a:t>
-            </a:r>
-            <a:r>
-              <a:rPr lang="en-US" dirty="0" smtClean="0"/>
-              <a:t>is selected, </a:t>
-            </a:r>
-            <a:r>
-              <a:rPr lang="en-US" dirty="0" smtClean="0"/>
-              <a:t>subtracts </a:t>
-            </a:r>
-            <a:r>
-              <a:rPr lang="en-US" dirty="0" smtClean="0"/>
-              <a:t>background intensities from puncta intensities</a:t>
+              <a:t>If ‘remove background’ is selected, subtracts background intensities from puncta intensities</a:t>
             </a:r>
             <a:endParaRPr lang="en-US" dirty="0"/>
           </a:p>
@@ -10692,11 +10340,7 @@
             <a:pPr algn="ctr"/>
             <a:r>
               <a:rPr lang="en-US" dirty="0" smtClean="0"/>
-              <a:t>Normalizes </a:t>
-            </a:r>
-            <a:r>
-              <a:rPr lang="en-US" dirty="0" smtClean="0"/>
-              <a:t>to intensities at the stimulus </a:t>
+              <a:t>Normalizes to intensities at the stimulus </a:t>
             </a:r>
             <a:r>
               <a:rPr lang="en-US" dirty="0" err="1" smtClean="0"/>
@@ -11490,7 +11134,7 @@
   <a:extraClrSchemeLst/>
   <a:extLst>
     <a:ext uri="{05A4C25C-085E-4340-85A3-A5531E510DB2}">
-      <thm15:themeFamily xmlns:thm15="http://schemas.microsoft.com/office/thememl/2012/main" xmlns="" name="Office Theme" id="{62F939B6-93AF-4DB8-9C6B-D6C7DFDC589F}" vid="{4A3C46E8-61CC-4603-A589-7422A47A8E4A}"/>
+      <thm15:themeFamily xmlns="" xmlns:thm15="http://schemas.microsoft.com/office/thememl/2012/main" name="Office Theme" id="{62F939B6-93AF-4DB8-9C6B-D6C7DFDC589F}" vid="{4A3C46E8-61CC-4603-A589-7422A47A8E4A}"/>
     </a:ext>
   </a:extLst>
 </a:theme>

--- a/ImgloaderHELP.pptx
+++ b/ImgloaderHELP.pptx
@@ -11134,7 +11134,7 @@
   <a:extraClrSchemeLst/>
   <a:extLst>
     <a:ext uri="{05A4C25C-085E-4340-85A3-A5531E510DB2}">
-      <thm15:themeFamily xmlns="" xmlns:thm15="http://schemas.microsoft.com/office/thememl/2012/main" name="Office Theme" id="{62F939B6-93AF-4DB8-9C6B-D6C7DFDC589F}" vid="{4A3C46E8-61CC-4603-A589-7422A47A8E4A}"/>
+      <thm15:themeFamily xmlns:thm15="http://schemas.microsoft.com/office/thememl/2012/main" xmlns="" name="Office Theme" id="{62F939B6-93AF-4DB8-9C6B-D6C7DFDC589F}" vid="{4A3C46E8-61CC-4603-A589-7422A47A8E4A}"/>
     </a:ext>
   </a:extLst>
 </a:theme>
